--- a/figures/figure-cross-validation/fig-cross-validation-xy-plots.pptx
+++ b/figures/figure-cross-validation/fig-cross-validation-xy-plots.pptx
@@ -6,6 +6,7 @@
   </p:sldMasterIdLst>
   <p:sldIdLst>
     <p:sldId id="256" r:id="rId2"/>
+    <p:sldId id="257" r:id="rId3"/>
   </p:sldIdLst>
   <p:sldSz cx="6858000" cy="9144000" type="screen4x3"/>
   <p:notesSz cx="6858000" cy="9144000"/>
@@ -3355,6 +3356,396 @@
 </p:sld>
 </file>
 
+<file path=ppt/slides/slide2.xml><?xml version="1.0" encoding="utf-8"?>
+<p:sld xmlns:a="http://schemas.openxmlformats.org/drawingml/2006/main" xmlns:r="http://schemas.openxmlformats.org/officeDocument/2006/relationships" xmlns:p="http://schemas.openxmlformats.org/presentationml/2006/main">
+  <p:cSld>
+    <p:spTree>
+      <p:nvGrpSpPr>
+        <p:cNvPr id="1" name=""/>
+        <p:cNvGrpSpPr/>
+        <p:nvPr/>
+      </p:nvGrpSpPr>
+      <p:grpSpPr>
+        <a:xfrm>
+          <a:off x="0" y="0"/>
+          <a:ext cx="0" cy="0"/>
+          <a:chOff x="0" y="0"/>
+          <a:chExt cx="0" cy="0"/>
+        </a:xfrm>
+      </p:grpSpPr>
+      <p:pic>
+        <p:nvPicPr>
+          <p:cNvPr id="5" name="Picture 4">
+            <a:extLst>
+              <a:ext uri="{FF2B5EF4-FFF2-40B4-BE49-F238E27FC236}">
+                <a16:creationId xmlns:a16="http://schemas.microsoft.com/office/drawing/2014/main" id="{DD58D9D1-71C2-A740-AD00-2770448B08F8}"/>
+              </a:ext>
+            </a:extLst>
+          </p:cNvPr>
+          <p:cNvPicPr>
+            <a:picLocks noChangeAspect="1"/>
+          </p:cNvPicPr>
+          <p:nvPr/>
+        </p:nvPicPr>
+        <p:blipFill>
+          <a:blip r:embed="rId2"/>
+          <a:stretch>
+            <a:fillRect/>
+          </a:stretch>
+        </p:blipFill>
+        <p:spPr>
+          <a:xfrm>
+            <a:off x="0" y="0"/>
+            <a:ext cx="2286000" cy="2286000"/>
+          </a:xfrm>
+          <a:prstGeom prst="rect">
+            <a:avLst/>
+          </a:prstGeom>
+        </p:spPr>
+      </p:pic>
+      <p:pic>
+        <p:nvPicPr>
+          <p:cNvPr id="9" name="Picture 8">
+            <a:extLst>
+              <a:ext uri="{FF2B5EF4-FFF2-40B4-BE49-F238E27FC236}">
+                <a16:creationId xmlns:a16="http://schemas.microsoft.com/office/drawing/2014/main" id="{0B4AFF49-F50D-5E44-82F6-AA45D2D13CCC}"/>
+              </a:ext>
+            </a:extLst>
+          </p:cNvPr>
+          <p:cNvPicPr>
+            <a:picLocks noChangeAspect="1"/>
+          </p:cNvPicPr>
+          <p:nvPr/>
+        </p:nvPicPr>
+        <p:blipFill>
+          <a:blip r:embed="rId3"/>
+          <a:stretch>
+            <a:fillRect/>
+          </a:stretch>
+        </p:blipFill>
+        <p:spPr>
+          <a:xfrm>
+            <a:off x="2216729" y="0"/>
+            <a:ext cx="2286000" cy="2286000"/>
+          </a:xfrm>
+          <a:prstGeom prst="rect">
+            <a:avLst/>
+          </a:prstGeom>
+        </p:spPr>
+      </p:pic>
+      <p:pic>
+        <p:nvPicPr>
+          <p:cNvPr id="11" name="Picture 10">
+            <a:extLst>
+              <a:ext uri="{FF2B5EF4-FFF2-40B4-BE49-F238E27FC236}">
+                <a16:creationId xmlns:a16="http://schemas.microsoft.com/office/drawing/2014/main" id="{A31AAB12-EA81-764C-B5E7-3E89EF24DE0F}"/>
+              </a:ext>
+            </a:extLst>
+          </p:cNvPr>
+          <p:cNvPicPr>
+            <a:picLocks noChangeAspect="1"/>
+          </p:cNvPicPr>
+          <p:nvPr/>
+        </p:nvPicPr>
+        <p:blipFill>
+          <a:blip r:embed="rId4"/>
+          <a:stretch>
+            <a:fillRect/>
+          </a:stretch>
+        </p:blipFill>
+        <p:spPr>
+          <a:xfrm>
+            <a:off x="4502729" y="0"/>
+            <a:ext cx="2286000" cy="2286000"/>
+          </a:xfrm>
+          <a:prstGeom prst="rect">
+            <a:avLst/>
+          </a:prstGeom>
+        </p:spPr>
+      </p:pic>
+      <p:pic>
+        <p:nvPicPr>
+          <p:cNvPr id="13" name="Picture 12">
+            <a:extLst>
+              <a:ext uri="{FF2B5EF4-FFF2-40B4-BE49-F238E27FC236}">
+                <a16:creationId xmlns:a16="http://schemas.microsoft.com/office/drawing/2014/main" id="{6E6D1DD4-0798-6D42-B1D1-1F5CF4DB8369}"/>
+              </a:ext>
+            </a:extLst>
+          </p:cNvPr>
+          <p:cNvPicPr>
+            <a:picLocks noChangeAspect="1"/>
+          </p:cNvPicPr>
+          <p:nvPr/>
+        </p:nvPicPr>
+        <p:blipFill>
+          <a:blip r:embed="rId5"/>
+          <a:stretch>
+            <a:fillRect/>
+          </a:stretch>
+        </p:blipFill>
+        <p:spPr>
+          <a:xfrm>
+            <a:off x="-4" y="2286000"/>
+            <a:ext cx="2286000" cy="2286000"/>
+          </a:xfrm>
+          <a:prstGeom prst="rect">
+            <a:avLst/>
+          </a:prstGeom>
+        </p:spPr>
+      </p:pic>
+      <p:pic>
+        <p:nvPicPr>
+          <p:cNvPr id="15" name="Picture 14">
+            <a:extLst>
+              <a:ext uri="{FF2B5EF4-FFF2-40B4-BE49-F238E27FC236}">
+                <a16:creationId xmlns:a16="http://schemas.microsoft.com/office/drawing/2014/main" id="{697B5911-076D-A246-B68B-BAD24C5FA495}"/>
+              </a:ext>
+            </a:extLst>
+          </p:cNvPr>
+          <p:cNvPicPr>
+            <a:picLocks noChangeAspect="1"/>
+          </p:cNvPicPr>
+          <p:nvPr/>
+        </p:nvPicPr>
+        <p:blipFill>
+          <a:blip r:embed="rId6"/>
+          <a:stretch>
+            <a:fillRect/>
+          </a:stretch>
+        </p:blipFill>
+        <p:spPr>
+          <a:xfrm>
+            <a:off x="2251361" y="2286000"/>
+            <a:ext cx="2286000" cy="2286000"/>
+          </a:xfrm>
+          <a:prstGeom prst="rect">
+            <a:avLst/>
+          </a:prstGeom>
+        </p:spPr>
+      </p:pic>
+      <p:pic>
+        <p:nvPicPr>
+          <p:cNvPr id="19" name="Picture 18">
+            <a:extLst>
+              <a:ext uri="{FF2B5EF4-FFF2-40B4-BE49-F238E27FC236}">
+                <a16:creationId xmlns:a16="http://schemas.microsoft.com/office/drawing/2014/main" id="{1A0BA476-2ADF-A549-9DDA-B9F39582E6C0}"/>
+              </a:ext>
+            </a:extLst>
+          </p:cNvPr>
+          <p:cNvPicPr>
+            <a:picLocks noChangeAspect="1"/>
+          </p:cNvPicPr>
+          <p:nvPr/>
+        </p:nvPicPr>
+        <p:blipFill>
+          <a:blip r:embed="rId7"/>
+          <a:stretch>
+            <a:fillRect/>
+          </a:stretch>
+        </p:blipFill>
+        <p:spPr>
+          <a:xfrm>
+            <a:off x="4554688" y="2286000"/>
+            <a:ext cx="2286000" cy="2286000"/>
+          </a:xfrm>
+          <a:prstGeom prst="rect">
+            <a:avLst/>
+          </a:prstGeom>
+        </p:spPr>
+      </p:pic>
+      <p:pic>
+        <p:nvPicPr>
+          <p:cNvPr id="21" name="Picture 20">
+            <a:extLst>
+              <a:ext uri="{FF2B5EF4-FFF2-40B4-BE49-F238E27FC236}">
+                <a16:creationId xmlns:a16="http://schemas.microsoft.com/office/drawing/2014/main" id="{F1B803BA-A829-A549-9B55-DF06793AE97E}"/>
+              </a:ext>
+            </a:extLst>
+          </p:cNvPr>
+          <p:cNvPicPr>
+            <a:picLocks noChangeAspect="1"/>
+          </p:cNvPicPr>
+          <p:nvPr/>
+        </p:nvPicPr>
+        <p:blipFill>
+          <a:blip r:embed="rId8"/>
+          <a:stretch>
+            <a:fillRect/>
+          </a:stretch>
+        </p:blipFill>
+        <p:spPr>
+          <a:xfrm>
+            <a:off x="-3466" y="4572000"/>
+            <a:ext cx="2286000" cy="2286000"/>
+          </a:xfrm>
+          <a:prstGeom prst="rect">
+            <a:avLst/>
+          </a:prstGeom>
+        </p:spPr>
+      </p:pic>
+      <p:pic>
+        <p:nvPicPr>
+          <p:cNvPr id="23" name="Picture 22">
+            <a:extLst>
+              <a:ext uri="{FF2B5EF4-FFF2-40B4-BE49-F238E27FC236}">
+                <a16:creationId xmlns:a16="http://schemas.microsoft.com/office/drawing/2014/main" id="{5E3CCB46-29AD-9045-A950-2D33F52B3163}"/>
+              </a:ext>
+            </a:extLst>
+          </p:cNvPr>
+          <p:cNvPicPr>
+            <a:picLocks noChangeAspect="1"/>
+          </p:cNvPicPr>
+          <p:nvPr/>
+        </p:nvPicPr>
+        <p:blipFill>
+          <a:blip r:embed="rId9"/>
+          <a:stretch>
+            <a:fillRect/>
+          </a:stretch>
+        </p:blipFill>
+        <p:spPr>
+          <a:xfrm>
+            <a:off x="2317166" y="4572000"/>
+            <a:ext cx="2286000" cy="2286000"/>
+          </a:xfrm>
+          <a:prstGeom prst="rect">
+            <a:avLst/>
+          </a:prstGeom>
+        </p:spPr>
+      </p:pic>
+      <p:pic>
+        <p:nvPicPr>
+          <p:cNvPr id="25" name="Picture 24">
+            <a:extLst>
+              <a:ext uri="{FF2B5EF4-FFF2-40B4-BE49-F238E27FC236}">
+                <a16:creationId xmlns:a16="http://schemas.microsoft.com/office/drawing/2014/main" id="{7F1B31CF-3038-6F41-AC36-81998B223238}"/>
+              </a:ext>
+            </a:extLst>
+          </p:cNvPr>
+          <p:cNvPicPr>
+            <a:picLocks noChangeAspect="1"/>
+          </p:cNvPicPr>
+          <p:nvPr/>
+        </p:nvPicPr>
+        <p:blipFill>
+          <a:blip r:embed="rId10"/>
+          <a:stretch>
+            <a:fillRect/>
+          </a:stretch>
+        </p:blipFill>
+        <p:spPr>
+          <a:xfrm>
+            <a:off x="4634336" y="4572000"/>
+            <a:ext cx="2286000" cy="2286000"/>
+          </a:xfrm>
+          <a:prstGeom prst="rect">
+            <a:avLst/>
+          </a:prstGeom>
+        </p:spPr>
+      </p:pic>
+      <p:pic>
+        <p:nvPicPr>
+          <p:cNvPr id="27" name="Picture 26">
+            <a:extLst>
+              <a:ext uri="{FF2B5EF4-FFF2-40B4-BE49-F238E27FC236}">
+                <a16:creationId xmlns:a16="http://schemas.microsoft.com/office/drawing/2014/main" id="{2B7E8BFF-18AB-8244-A1B7-4ED47DAE3421}"/>
+              </a:ext>
+            </a:extLst>
+          </p:cNvPr>
+          <p:cNvPicPr>
+            <a:picLocks noChangeAspect="1"/>
+          </p:cNvPicPr>
+          <p:nvPr/>
+        </p:nvPicPr>
+        <p:blipFill>
+          <a:blip r:embed="rId11"/>
+          <a:stretch>
+            <a:fillRect/>
+          </a:stretch>
+        </p:blipFill>
+        <p:spPr>
+          <a:xfrm>
+            <a:off x="27704" y="6761018"/>
+            <a:ext cx="2286000" cy="2286000"/>
+          </a:xfrm>
+          <a:prstGeom prst="rect">
+            <a:avLst/>
+          </a:prstGeom>
+        </p:spPr>
+      </p:pic>
+      <p:pic>
+        <p:nvPicPr>
+          <p:cNvPr id="29" name="Picture 28">
+            <a:extLst>
+              <a:ext uri="{FF2B5EF4-FFF2-40B4-BE49-F238E27FC236}">
+                <a16:creationId xmlns:a16="http://schemas.microsoft.com/office/drawing/2014/main" id="{751EF4EB-840E-B248-A505-0B9B3E15AEB5}"/>
+              </a:ext>
+            </a:extLst>
+          </p:cNvPr>
+          <p:cNvPicPr>
+            <a:picLocks noChangeAspect="1"/>
+          </p:cNvPicPr>
+          <p:nvPr/>
+        </p:nvPicPr>
+        <p:blipFill>
+          <a:blip r:embed="rId12"/>
+          <a:stretch>
+            <a:fillRect/>
+          </a:stretch>
+        </p:blipFill>
+        <p:spPr>
+          <a:xfrm>
+            <a:off x="2282534" y="6761018"/>
+            <a:ext cx="2286000" cy="2286000"/>
+          </a:xfrm>
+          <a:prstGeom prst="rect">
+            <a:avLst/>
+          </a:prstGeom>
+        </p:spPr>
+      </p:pic>
+      <p:pic>
+        <p:nvPicPr>
+          <p:cNvPr id="31" name="Picture 30">
+            <a:extLst>
+              <a:ext uri="{FF2B5EF4-FFF2-40B4-BE49-F238E27FC236}">
+                <a16:creationId xmlns:a16="http://schemas.microsoft.com/office/drawing/2014/main" id="{C63677FD-CD4A-5146-A521-E795F4D96BF3}"/>
+              </a:ext>
+            </a:extLst>
+          </p:cNvPr>
+          <p:cNvPicPr>
+            <a:picLocks noChangeAspect="1"/>
+          </p:cNvPicPr>
+          <p:nvPr/>
+        </p:nvPicPr>
+        <p:blipFill>
+          <a:blip r:embed="rId13"/>
+          <a:stretch>
+            <a:fillRect/>
+          </a:stretch>
+        </p:blipFill>
+        <p:spPr>
+          <a:xfrm>
+            <a:off x="4634348" y="6761018"/>
+            <a:ext cx="2286000" cy="2286000"/>
+          </a:xfrm>
+          <a:prstGeom prst="rect">
+            <a:avLst/>
+          </a:prstGeom>
+        </p:spPr>
+      </p:pic>
+    </p:spTree>
+    <p:extLst>
+      <p:ext uri="{BB962C8B-B14F-4D97-AF65-F5344CB8AC3E}">
+        <p14:creationId xmlns:p14="http://schemas.microsoft.com/office/powerpoint/2010/main" val="3998198153"/>
+      </p:ext>
+    </p:extLst>
+  </p:cSld>
+  <p:clrMapOvr>
+    <a:masterClrMapping/>
+  </p:clrMapOvr>
+</p:sld>
+</file>
+
 <file path=ppt/theme/theme1.xml><?xml version="1.0" encoding="utf-8"?>
 <a:theme xmlns:a="http://schemas.openxmlformats.org/drawingml/2006/main" name="Office Theme">
   <a:themeElements>
